--- a/SOP.pptx
+++ b/SOP.pptx
@@ -123,6 +123,11 @@
       </a:defRPr>
     </a:lvl9pPr>
   </p:defaultTextStyle>
+  <p:extLst>
+    <p:ext uri="{EFAFB233-063F-42B5-8137-9DF3F51BA10A}">
+      <p15:sldGuideLst xmlns:p15="http://schemas.microsoft.com/office/powerpoint/2012/main"/>
+    </p:ext>
+  </p:extLst>
 </p:presentation>
 </file>
 
@@ -9123,12 +9128,14 @@
         </p:nvSpPr>
         <p:spPr>
           <a:xfrm>
-            <a:off x="166991" y="706944"/>
-            <a:ext cx="11924489" cy="4351338"/>
-          </a:xfrm>
-        </p:spPr>
-        <p:txBody>
-          <a:bodyPr/>
+            <a:off x="166991" y="706943"/>
+            <a:ext cx="11924489" cy="5180509"/>
+          </a:xfrm>
+        </p:spPr>
+        <p:txBody>
+          <a:bodyPr>
+            <a:normAutofit/>
+          </a:bodyPr>
           <a:lstStyle/>
           <a:p>
             <a:pPr marL="0" indent="0">
@@ -9146,65 +9153,126 @@
             <a:pPr marL="0" indent="0">
               <a:buNone/>
             </a:pPr>
-            <a:r>
-              <a:rPr lang="en-US" sz="2000" dirty="0">
-                <a:latin typeface="Arial" panose="020B0604020202020204" pitchFamily="34" charset="0"/>
-                <a:cs typeface="Arial" panose="020B0604020202020204" pitchFamily="34" charset="0"/>
-              </a:rPr>
-              <a:t>Acknowledgements:</a:t>
-            </a:r>
+            <a:endParaRPr lang="en-US" sz="2000" dirty="0">
+              <a:latin typeface="Arial" panose="020B0604020202020204" pitchFamily="34" charset="0"/>
+              <a:cs typeface="Arial" panose="020B0604020202020204" pitchFamily="34" charset="0"/>
+            </a:endParaRPr>
           </a:p>
           <a:p>
             <a:pPr marL="0" indent="0">
               <a:buNone/>
             </a:pPr>
-            <a:endParaRPr lang="en-US" dirty="0"/>
+            <a:endParaRPr lang="en-US" sz="2000" dirty="0">
+              <a:latin typeface="Arial" panose="020B0604020202020204" pitchFamily="34" charset="0"/>
+              <a:cs typeface="Arial" panose="020B0604020202020204" pitchFamily="34" charset="0"/>
+            </a:endParaRPr>
           </a:p>
           <a:p>
             <a:pPr marL="0" indent="0">
               <a:buNone/>
             </a:pPr>
-            <a:endParaRPr lang="en-US" dirty="0"/>
+            <a:r>
+              <a:rPr lang="en-US" sz="2000" dirty="0">
+                <a:latin typeface="Arial" panose="020B0604020202020204" pitchFamily="34" charset="0"/>
+                <a:cs typeface="Arial" panose="020B0604020202020204" pitchFamily="34" charset="0"/>
+              </a:rPr>
+              <a:t>The Source code can be found in the following links  - </a:t>
+            </a:r>
           </a:p>
           <a:p>
             <a:pPr marL="0" indent="0">
               <a:buNone/>
             </a:pPr>
-            <a:r>
-              <a:rPr lang="en-US" dirty="0"/>
-              <a:t>The Source code can be found in the following links</a:t>
-            </a:r>
+            <a:endParaRPr lang="en-US" sz="2000" dirty="0">
+              <a:latin typeface="Arial" panose="020B0604020202020204" pitchFamily="34" charset="0"/>
+              <a:cs typeface="Arial" panose="020B0604020202020204" pitchFamily="34" charset="0"/>
+            </a:endParaRPr>
           </a:p>
           <a:p>
             <a:pPr marL="0" indent="0">
               <a:buNone/>
             </a:pPr>
             <a:r>
-              <a:rPr lang="en-US" dirty="0" err="1"/>
+              <a:rPr lang="en-US" sz="2000" dirty="0" err="1">
+                <a:latin typeface="Arial" panose="020B0604020202020204" pitchFamily="34" charset="0"/>
+                <a:cs typeface="Arial" panose="020B0604020202020204" pitchFamily="34" charset="0"/>
+              </a:rPr>
               <a:t>Github</a:t>
             </a:r>
             <a:r>
-              <a:rPr lang="en-US" dirty="0"/>
-              <a:t> (referred to as link 1 in upcoming slides)</a:t>
+              <a:rPr lang="en-US" sz="2000" dirty="0">
+                <a:latin typeface="Arial" panose="020B0604020202020204" pitchFamily="34" charset="0"/>
+                <a:cs typeface="Arial" panose="020B0604020202020204" pitchFamily="34" charset="0"/>
+              </a:rPr>
+              <a:t> (referred to as link 1 in upcoming slides):</a:t>
             </a:r>
           </a:p>
           <a:p>
             <a:pPr marL="0" indent="0">
               <a:buNone/>
             </a:pPr>
-            <a:endParaRPr lang="en-US" dirty="0"/>
+            <a:r>
+              <a:rPr lang="en-US" sz="2000" dirty="0">
+                <a:latin typeface="Arial" panose="020B0604020202020204" pitchFamily="34" charset="0"/>
+                <a:cs typeface="Arial" panose="020B0604020202020204" pitchFamily="34" charset="0"/>
+                <a:hlinkClick r:id="rId2"/>
+              </a:rPr>
+              <a:t>https://github.com/chetana348/Lung-and-Airway-Segmentation</a:t>
+            </a:r>
+            <a:r>
+              <a:rPr lang="en-US" sz="2000" dirty="0">
+                <a:latin typeface="Arial" panose="020B0604020202020204" pitchFamily="34" charset="0"/>
+                <a:cs typeface="Arial" panose="020B0604020202020204" pitchFamily="34" charset="0"/>
+              </a:rPr>
+              <a:t> </a:t>
+            </a:r>
           </a:p>
           <a:p>
             <a:pPr marL="0" indent="0">
               <a:buNone/>
             </a:pPr>
-            <a:r>
-              <a:rPr lang="en-US" dirty="0" err="1"/>
+            <a:endParaRPr lang="en-US" sz="2000" dirty="0">
+              <a:latin typeface="Arial" panose="020B0604020202020204" pitchFamily="34" charset="0"/>
+              <a:cs typeface="Arial" panose="020B0604020202020204" pitchFamily="34" charset="0"/>
+            </a:endParaRPr>
+          </a:p>
+          <a:p>
+            <a:pPr marL="0" indent="0">
+              <a:buNone/>
+            </a:pPr>
+            <a:r>
+              <a:rPr lang="en-US" sz="2000" dirty="0" err="1">
+                <a:latin typeface="Arial" panose="020B0604020202020204" pitchFamily="34" charset="0"/>
+                <a:cs typeface="Arial" panose="020B0604020202020204" pitchFamily="34" charset="0"/>
+              </a:rPr>
               <a:t>Colab</a:t>
             </a:r>
             <a:r>
-              <a:rPr lang="en-US" dirty="0"/>
-              <a:t> (referred to as link 2 in upcoming slides)</a:t>
+              <a:rPr lang="en-US" sz="2000" dirty="0">
+                <a:latin typeface="Arial" panose="020B0604020202020204" pitchFamily="34" charset="0"/>
+                <a:cs typeface="Arial" panose="020B0604020202020204" pitchFamily="34" charset="0"/>
+              </a:rPr>
+              <a:t> (referred to as link 2 in upcoming slides):</a:t>
+            </a:r>
+          </a:p>
+          <a:p>
+            <a:pPr marL="0" indent="0">
+              <a:buNone/>
+            </a:pPr>
+            <a:r>
+              <a:rPr lang="en-US" sz="2000" dirty="0">
+                <a:latin typeface="Arial" panose="020B0604020202020204" pitchFamily="34" charset="0"/>
+                <a:cs typeface="Arial" panose="020B0604020202020204" pitchFamily="34" charset="0"/>
+                <a:hlinkClick r:id="rId3"/>
+              </a:rPr>
+              <a:t>https://drive.google.com/drive/folders/1SBL6bOjsyhwK8Ib5fgrQa4Zr8peVuYXn?usp=sharing</a:t>
+            </a:r>
+            <a:r>
+              <a:rPr lang="en-US" sz="2000" dirty="0">
+                <a:latin typeface="Arial" panose="020B0604020202020204" pitchFamily="34" charset="0"/>
+                <a:cs typeface="Arial" panose="020B0604020202020204" pitchFamily="34" charset="0"/>
+              </a:rPr>
+              <a:t> </a:t>
             </a:r>
           </a:p>
         </p:txBody>
